--- a/deliverables/Release 2/NVMe Partner's Day Final (updated).pptx
+++ b/deliverables/Release 2/NVMe Partner's Day Final (updated).pptx
@@ -15,7 +15,7 @@
     <p:sldId id="263" r:id="rId6"/>
     <p:sldId id="266" r:id="rId7"/>
     <p:sldId id="267" r:id="rId8"/>
-    <p:sldId id="261" r:id="rId9"/>
+    <p:sldId id="270" r:id="rId9"/>
     <p:sldId id="268" r:id="rId10"/>
     <p:sldId id="264" r:id="rId11"/>
   </p:sldIdLst>
@@ -218,7 +218,7 @@
             <a:fld id="{8DA19F56-ACA0-41AC-8B57-A442F5EEA315}" type="datetimeFigureOut">
               <a:rPr lang="en-US" smtClean="0"/>
               <a:pPr/>
-              <a:t>5/22/2016</a:t>
+              <a:t>5/24/2016</a:t>
             </a:fld>
             <a:endParaRPr lang="en-US" dirty="0"/>
           </a:p>
@@ -719,7 +719,7 @@
             <a:fld id="{61362B01-0A86-4233-A7D0-94F1921C1115}" type="datetime1">
               <a:rPr lang="en-US" smtClean="0"/>
               <a:pPr/>
-              <a:t>5/22/2016</a:t>
+              <a:t>5/24/2016</a:t>
             </a:fld>
             <a:endParaRPr lang="en-US" dirty="0"/>
           </a:p>
@@ -1000,7 +1000,7 @@
             <a:fld id="{5A39FD82-CD7B-48D2-8F3A-D92AB9AE98A9}" type="datetime1">
               <a:rPr lang="en-US" smtClean="0"/>
               <a:pPr/>
-              <a:t>5/22/2016</a:t>
+              <a:t>5/24/2016</a:t>
             </a:fld>
             <a:endParaRPr lang="en-US" dirty="0"/>
           </a:p>
@@ -1177,7 +1177,7 @@
             <a:fld id="{621E989F-9C15-4C6A-BD1D-3455DC7116F3}" type="datetime1">
               <a:rPr lang="en-US" smtClean="0"/>
               <a:pPr/>
-              <a:t>5/22/2016</a:t>
+              <a:t>5/24/2016</a:t>
             </a:fld>
             <a:endParaRPr lang="en-US" dirty="0"/>
           </a:p>
@@ -1420,7 +1420,7 @@
             <a:fld id="{B0C435DF-D197-4C5D-AB28-F2D90B88D94E}" type="datetime1">
               <a:rPr lang="en-US" smtClean="0"/>
               <a:pPr/>
-              <a:t>5/22/2016</a:t>
+              <a:t>5/24/2016</a:t>
             </a:fld>
             <a:endParaRPr lang="en-US" dirty="0"/>
           </a:p>
@@ -1684,7 +1684,7 @@
             <a:fld id="{2D6ECEDE-6143-488F-956F-DAFB41F6608B}" type="datetime1">
               <a:rPr lang="en-US" smtClean="0"/>
               <a:pPr/>
-              <a:t>5/22/2016</a:t>
+              <a:t>5/24/2016</a:t>
             </a:fld>
             <a:endParaRPr lang="en-US" dirty="0"/>
           </a:p>
@@ -2032,7 +2032,7 @@
             <a:fld id="{EB5CE444-A3B9-4CAD-A8CF-D39D35E44A6E}" type="datetime1">
               <a:rPr lang="en-US" smtClean="0"/>
               <a:pPr/>
-              <a:t>5/22/2016</a:t>
+              <a:t>5/24/2016</a:t>
             </a:fld>
             <a:endParaRPr lang="en-US" dirty="0"/>
           </a:p>
@@ -2408,7 +2408,7 @@
             <a:fld id="{DF27EE9B-93DC-4C05-B7AA-98128238E842}" type="datetime1">
               <a:rPr lang="en-US" smtClean="0"/>
               <a:pPr/>
-              <a:t>5/22/2016</a:t>
+              <a:t>5/24/2016</a:t>
             </a:fld>
             <a:endParaRPr lang="en-US" dirty="0"/>
           </a:p>
@@ -2523,7 +2523,7 @@
             <a:fld id="{885E1D8B-1BBA-40B9-8DAD-F7E2036BF5A4}" type="datetime1">
               <a:rPr lang="en-US" smtClean="0"/>
               <a:pPr/>
-              <a:t>5/22/2016</a:t>
+              <a:t>5/24/2016</a:t>
             </a:fld>
             <a:endParaRPr lang="en-US" dirty="0"/>
           </a:p>
@@ -2615,7 +2615,7 @@
             <a:fld id="{A3770E82-4816-4C96-9E1F-18B673F90B0E}" type="datetime1">
               <a:rPr lang="en-US" smtClean="0"/>
               <a:pPr/>
-              <a:t>5/22/2016</a:t>
+              <a:t>5/24/2016</a:t>
             </a:fld>
             <a:endParaRPr lang="en-US" dirty="0"/>
           </a:p>
@@ -3042,7 +3042,7 @@
             <a:fld id="{03831D8F-BC61-440F-BA9A-E47BA4E0A8B9}" type="datetime1">
               <a:rPr lang="en-US" smtClean="0"/>
               <a:pPr/>
-              <a:t>5/22/2016</a:t>
+              <a:t>5/24/2016</a:t>
             </a:fld>
             <a:endParaRPr lang="en-US" dirty="0"/>
           </a:p>
@@ -3415,7 +3415,7 @@
             <a:fld id="{FBAECCBD-515E-4AA4-9B62-7FC0C014143F}" type="datetime1">
               <a:rPr lang="en-US" smtClean="0"/>
               <a:pPr/>
-              <a:t>5/22/2016</a:t>
+              <a:t>5/24/2016</a:t>
             </a:fld>
             <a:endParaRPr lang="en-US" dirty="0"/>
           </a:p>
@@ -3699,7 +3699,7 @@
             <a:fld id="{49BC5A68-F83F-4F1C-BA73-E4FDDF22D19B}" type="datetime1">
               <a:rPr lang="en-US" smtClean="0"/>
               <a:pPr/>
-              <a:t>5/22/2016</a:t>
+              <a:t>5/24/2016</a:t>
             </a:fld>
             <a:endParaRPr lang="en-US" dirty="0"/>
           </a:p>
@@ -8855,25 +8855,6 @@
       </p:sp>
       <p:sp>
         <p:nvSpPr>
-          <p:cNvPr id="5" name="Content Placeholder 4"/>
-          <p:cNvSpPr>
-            <a:spLocks noGrp="1"/>
-          </p:cNvSpPr>
-          <p:nvPr>
-            <p:ph idx="1"/>
-          </p:nvPr>
-        </p:nvSpPr>
-        <p:spPr/>
-        <p:txBody>
-          <a:bodyPr/>
-          <a:lstStyle/>
-          <a:p>
-            <a:endParaRPr lang="en-US" dirty="0"/>
-          </a:p>
-        </p:txBody>
-      </p:sp>
-      <p:sp>
-        <p:nvSpPr>
           <p:cNvPr id="9" name="Shape 311"/>
           <p:cNvSpPr txBox="1">
             <a:spLocks/>
@@ -8882,7 +8863,7 @@
         </p:nvSpPr>
         <p:spPr>
           <a:xfrm>
-            <a:off x="1097275" y="3228253"/>
+            <a:off x="1097280" y="1991453"/>
             <a:ext cx="10058400" cy="2274900"/>
           </a:xfrm>
           <a:prstGeom prst="rect">
@@ -8919,7 +8900,7 @@
               <a:defRPr/>
             </a:pPr>
             <a:r>
-              <a:rPr kumimoji="0" lang="en-US" sz="2000" b="1" i="0" u="none" strike="noStrike" kern="1200" cap="none" spc="0" normalizeH="0" baseline="0" noProof="0" dirty="0">
+              <a:rPr kumimoji="0" lang="en-US" sz="2300" b="1" i="0" u="none" strike="noStrike" kern="1200" cap="none" spc="0" normalizeH="0" baseline="0" noProof="0" dirty="0">
                 <a:ln>
                   <a:noFill/>
                 </a:ln>
@@ -8939,7 +8920,7 @@
               <a:t>Local </a:t>
             </a:r>
             <a:r>
-              <a:rPr kumimoji="0" lang="en-US" sz="2000" b="1" i="0" u="none" strike="noStrike" kern="1200" cap="none" spc="0" normalizeH="0" baseline="0" noProof="0" dirty="0" err="1">
+              <a:rPr kumimoji="0" lang="en-US" sz="2300" b="1" i="0" u="none" strike="noStrike" kern="1200" cap="none" spc="0" normalizeH="0" baseline="0" noProof="0" dirty="0" err="1">
                 <a:ln>
                   <a:noFill/>
                 </a:ln>
@@ -8959,7 +8940,7 @@
               <a:t>NVMe</a:t>
             </a:r>
             <a:r>
-              <a:rPr kumimoji="0" lang="en-US" sz="2000" b="1" i="0" u="none" strike="noStrike" kern="1200" cap="none" spc="0" normalizeH="0" baseline="0" noProof="0" dirty="0">
+              <a:rPr kumimoji="0" lang="en-US" sz="2300" b="1" i="0" u="none" strike="noStrike" kern="1200" cap="none" spc="0" normalizeH="0" baseline="0" noProof="0" dirty="0">
                 <a:ln>
                   <a:noFill/>
                 </a:ln>
@@ -8979,7 +8960,7 @@
               <a:t> Attached Storage Compared to </a:t>
             </a:r>
             <a:r>
-              <a:rPr kumimoji="0" lang="en-US" sz="2000" b="1" i="0" u="none" strike="noStrike" kern="1200" cap="none" spc="0" normalizeH="0" baseline="0" noProof="0" dirty="0" err="1">
+              <a:rPr kumimoji="0" lang="en-US" sz="2300" b="1" i="0" u="none" strike="noStrike" kern="1200" cap="none" spc="0" normalizeH="0" baseline="0" noProof="0" dirty="0" err="1">
                 <a:ln>
                   <a:noFill/>
                 </a:ln>
@@ -8999,7 +8980,7 @@
               <a:t>nbdX</a:t>
             </a:r>
             <a:r>
-              <a:rPr kumimoji="0" lang="en-US" sz="2000" b="1" i="0" u="none" strike="noStrike" kern="1200" cap="none" spc="0" normalizeH="0" baseline="0" noProof="0" dirty="0">
+              <a:rPr kumimoji="0" lang="en-US" sz="2300" b="1" i="0" u="none" strike="noStrike" kern="1200" cap="none" spc="0" normalizeH="0" baseline="0" noProof="0" dirty="0">
                 <a:ln>
                   <a:noFill/>
                 </a:ln>
@@ -9019,7 +9000,7 @@
               <a:t> Remote </a:t>
             </a:r>
             <a:r>
-              <a:rPr kumimoji="0" lang="en-US" sz="2000" b="1" i="0" u="none" strike="noStrike" kern="1200" cap="none" spc="0" normalizeH="0" baseline="0" noProof="0" dirty="0" err="1">
+              <a:rPr kumimoji="0" lang="en-US" sz="2300" b="1" i="0" u="none" strike="noStrike" kern="1200" cap="none" spc="0" normalizeH="0" baseline="0" noProof="0" dirty="0" err="1">
                 <a:ln>
                   <a:noFill/>
                 </a:ln>
@@ -9038,7 +9019,7 @@
               </a:rPr>
               <a:t>Ramdisk</a:t>
             </a:r>
-            <a:endParaRPr kumimoji="0" lang="en-US" sz="2000" b="1" i="0" u="none" strike="noStrike" kern="1200" cap="none" spc="0" normalizeH="0" baseline="0" noProof="0" dirty="0">
+            <a:endParaRPr kumimoji="0" lang="en-US" sz="2300" b="1" i="0" u="none" strike="noStrike" kern="1200" cap="none" spc="0" normalizeH="0" baseline="0" noProof="0" dirty="0">
               <a:ln>
                 <a:noFill/>
               </a:ln>
@@ -9248,213 +9229,6 @@
           </a:p>
         </p:txBody>
       </p:sp>
-      <p:sp>
-        <p:nvSpPr>
-          <p:cNvPr id="10" name="Shape 314"/>
-          <p:cNvSpPr txBox="1"/>
-          <p:nvPr/>
-        </p:nvSpPr>
-        <p:spPr>
-          <a:xfrm>
-            <a:off x="1097275" y="1927075"/>
-            <a:ext cx="10058400" cy="1340100"/>
-          </a:xfrm>
-          <a:prstGeom prst="rect">
-            <a:avLst/>
-          </a:prstGeom>
-          <a:noFill/>
-          <a:ln>
-            <a:noFill/>
-          </a:ln>
-        </p:spPr>
-        <p:txBody>
-          <a:bodyPr lIns="91425" tIns="91425" rIns="91425" bIns="91425" anchor="t" anchorCtr="0">
-            <a:noAutofit/>
-          </a:bodyPr>
-          <a:lstStyle/>
-          <a:p>
-            <a:pPr lvl="0" rtl="0">
-              <a:lnSpc>
-                <a:spcPct val="90000"/>
-              </a:lnSpc>
-              <a:spcBef>
-                <a:spcPts val="0"/>
-              </a:spcBef>
-              <a:buClr>
-                <a:schemeClr val="dk1"/>
-              </a:buClr>
-              <a:buSzPct val="55000"/>
-              <a:buFont typeface="Arial"/>
-              <a:buNone/>
-            </a:pPr>
-            <a:r>
-              <a:rPr lang="en-US" sz="2000" b="1" dirty="0">
-                <a:solidFill>
-                  <a:srgbClr val="3F3F3F"/>
-                </a:solidFill>
-                <a:latin typeface="Calibri"/>
-                <a:ea typeface="Calibri"/>
-                <a:cs typeface="Calibri"/>
-                <a:sym typeface="Calibri"/>
-              </a:rPr>
-              <a:t>Analysis of </a:t>
-            </a:r>
-            <a:r>
-              <a:rPr lang="en-US" sz="2000" b="1" dirty="0" err="1">
-                <a:solidFill>
-                  <a:srgbClr val="3F3F3F"/>
-                </a:solidFill>
-                <a:latin typeface="Calibri"/>
-                <a:ea typeface="Calibri"/>
-                <a:cs typeface="Calibri"/>
-                <a:sym typeface="Calibri"/>
-              </a:rPr>
-              <a:t>nbdX</a:t>
-            </a:r>
-            <a:endParaRPr lang="en-US" sz="2000" b="1" dirty="0">
-              <a:solidFill>
-                <a:srgbClr val="3F3F3F"/>
-              </a:solidFill>
-              <a:latin typeface="Calibri"/>
-              <a:ea typeface="Calibri"/>
-              <a:cs typeface="Calibri"/>
-              <a:sym typeface="Calibri"/>
-            </a:endParaRPr>
-          </a:p>
-          <a:p>
-            <a:pPr marL="384048" lvl="1" indent="-193548" rtl="0">
-              <a:lnSpc>
-                <a:spcPct val="90000"/>
-              </a:lnSpc>
-              <a:spcBef>
-                <a:spcPts val="0"/>
-              </a:spcBef>
-              <a:buClr>
-                <a:srgbClr val="FFC000"/>
-              </a:buClr>
-              <a:buSzPct val="100000"/>
-              <a:buFont typeface="Noto Sans Symbols"/>
-              <a:buChar char="▪"/>
-            </a:pPr>
-            <a:r>
-              <a:rPr lang="en-US" sz="1800" dirty="0">
-                <a:solidFill>
-                  <a:srgbClr val="3F3F3F"/>
-                </a:solidFill>
-                <a:latin typeface="Calibri"/>
-                <a:ea typeface="Calibri"/>
-                <a:cs typeface="Calibri"/>
-                <a:sym typeface="Calibri"/>
-              </a:rPr>
-              <a:t>  Bandwidth reached near maximum link speed</a:t>
-            </a:r>
-          </a:p>
-          <a:p>
-            <a:pPr marL="384048" lvl="1" indent="-193548" rtl="0">
-              <a:lnSpc>
-                <a:spcPct val="90000"/>
-              </a:lnSpc>
-              <a:spcBef>
-                <a:spcPts val="0"/>
-              </a:spcBef>
-              <a:buClr>
-                <a:srgbClr val="FFC000"/>
-              </a:buClr>
-              <a:buSzPct val="100000"/>
-              <a:buFont typeface="Noto Sans Symbols"/>
-              <a:buChar char="▪"/>
-            </a:pPr>
-            <a:r>
-              <a:rPr lang="en-US" sz="1800" dirty="0">
-                <a:solidFill>
-                  <a:srgbClr val="3F3F3F"/>
-                </a:solidFill>
-                <a:latin typeface="Calibri"/>
-                <a:ea typeface="Calibri"/>
-                <a:cs typeface="Calibri"/>
-                <a:sym typeface="Calibri"/>
-              </a:rPr>
-              <a:t>  Latency within expected range of </a:t>
-            </a:r>
-            <a:r>
-              <a:rPr lang="en-US" sz="1800" dirty="0" err="1">
-                <a:solidFill>
-                  <a:srgbClr val="3F3F3F"/>
-                </a:solidFill>
-                <a:latin typeface="Calibri"/>
-                <a:ea typeface="Calibri"/>
-                <a:cs typeface="Calibri"/>
-                <a:sym typeface="Calibri"/>
-              </a:rPr>
-              <a:t>NVMe</a:t>
-            </a:r>
-            <a:r>
-              <a:rPr lang="en-US" sz="1800" dirty="0">
-                <a:solidFill>
-                  <a:srgbClr val="3F3F3F"/>
-                </a:solidFill>
-                <a:latin typeface="Calibri"/>
-                <a:ea typeface="Calibri"/>
-                <a:cs typeface="Calibri"/>
-                <a:sym typeface="Calibri"/>
-              </a:rPr>
-              <a:t> over Fabrics spec</a:t>
-            </a:r>
-          </a:p>
-          <a:p>
-            <a:pPr marL="384048" lvl="1" indent="-193548" rtl="0">
-              <a:lnSpc>
-                <a:spcPct val="90000"/>
-              </a:lnSpc>
-              <a:spcBef>
-                <a:spcPts val="0"/>
-              </a:spcBef>
-              <a:buClr>
-                <a:srgbClr val="FFC000"/>
-              </a:buClr>
-              <a:buSzPct val="100000"/>
-              <a:buFont typeface="Noto Sans Symbols"/>
-              <a:buChar char="▪"/>
-            </a:pPr>
-            <a:r>
-              <a:rPr lang="en-US" sz="1800" dirty="0">
-                <a:solidFill>
-                  <a:srgbClr val="3F3F3F"/>
-                </a:solidFill>
-                <a:latin typeface="Calibri"/>
-                <a:ea typeface="Calibri"/>
-                <a:cs typeface="Calibri"/>
-                <a:sym typeface="Calibri"/>
-              </a:rPr>
-              <a:t>  IOPS exceed current </a:t>
-            </a:r>
-            <a:r>
-              <a:rPr lang="en-US" sz="1800" dirty="0" err="1">
-                <a:solidFill>
-                  <a:srgbClr val="3F3F3F"/>
-                </a:solidFill>
-                <a:latin typeface="Calibri"/>
-                <a:ea typeface="Calibri"/>
-                <a:cs typeface="Calibri"/>
-                <a:sym typeface="Calibri"/>
-              </a:rPr>
-              <a:t>NVMe</a:t>
-            </a:r>
-            <a:r>
-              <a:rPr lang="en-US" sz="1800" dirty="0">
-                <a:solidFill>
-                  <a:srgbClr val="3F3F3F"/>
-                </a:solidFill>
-                <a:latin typeface="Calibri"/>
-                <a:ea typeface="Calibri"/>
-                <a:cs typeface="Calibri"/>
-                <a:sym typeface="Calibri"/>
-              </a:rPr>
-              <a:t> attached drive capabilities</a:t>
-            </a:r>
-          </a:p>
-        </p:txBody>
-      </p:sp>
       <p:graphicFrame>
         <p:nvGraphicFramePr>
           <p:cNvPr id="13" name="Shape 312"/>
@@ -9462,14 +9236,14 @@
           <p:nvPr>
             <p:extLst>
               <p:ext uri="{D42A27DB-BD31-4B8C-83A1-F6EECF244321}">
-                <p14:modId xmlns:p14="http://schemas.microsoft.com/office/powerpoint/2010/main" val="611986319"/>
+                <p14:modId xmlns:p14="http://schemas.microsoft.com/office/powerpoint/2010/main" val="2926289226"/>
               </p:ext>
             </p:extLst>
           </p:nvPr>
         </p:nvGraphicFramePr>
         <p:xfrm>
-          <a:off x="1464726" y="3681443"/>
-          <a:ext cx="5184648" cy="1414803"/>
+          <a:off x="1565394" y="2538626"/>
+          <a:ext cx="8335065" cy="1854741"/>
         </p:xfrm>
         <a:graphic>
           <a:graphicData uri="http://schemas.openxmlformats.org/drawingml/2006/table">
@@ -9478,21 +9252,21 @@
                 <a:noFill/>
               </a:tblPr>
               <a:tblGrid>
-                <a:gridCol w="1728216">
+                <a:gridCol w="2778355">
                   <a:extLst>
                     <a:ext uri="{9D8B030D-6E8A-4147-A177-3AD203B41FA5}">
                       <a16:colId xmlns:a16="http://schemas.microsoft.com/office/drawing/2014/main" val="20000"/>
                     </a:ext>
                   </a:extLst>
                 </a:gridCol>
-                <a:gridCol w="1728216">
+                <a:gridCol w="2778355">
                   <a:extLst>
                     <a:ext uri="{9D8B030D-6E8A-4147-A177-3AD203B41FA5}">
                       <a16:colId xmlns:a16="http://schemas.microsoft.com/office/drawing/2014/main" val="20001"/>
                     </a:ext>
                   </a:extLst>
                 </a:gridCol>
-                <a:gridCol w="1728216">
+                <a:gridCol w="2778355">
                   <a:extLst>
                     <a:ext uri="{9D8B030D-6E8A-4147-A177-3AD203B41FA5}">
                       <a16:colId xmlns:a16="http://schemas.microsoft.com/office/drawing/2014/main" val="20002"/>
@@ -9500,7 +9274,7 @@
                   </a:extLst>
                 </a:gridCol>
               </a:tblGrid>
-              <a:tr h="668999">
+              <a:tr h="775025">
                 <a:tc>
                   <a:txBody>
                     <a:bodyPr/>
@@ -9512,7 +9286,7 @@
                         </a:spcBef>
                         <a:buNone/>
                       </a:pPr>
-                      <a:endParaRPr sz="1600" dirty="0"/>
+                      <a:endParaRPr sz="1800" dirty="0"/>
                     </a:p>
                   </a:txBody>
                   <a:tcPr marL="79771" marR="79771" marT="79771" marB="79771"/>
@@ -9529,14 +9303,14 @@
                         <a:buNone/>
                       </a:pPr>
                       <a:r>
-                        <a:rPr lang="en-US" sz="1400" dirty="0" err="1">
+                        <a:rPr lang="en-US" sz="1800" dirty="0" err="1">
                           <a:latin typeface="Arial" pitchFamily="34" charset="0"/>
                           <a:cs typeface="Arial" pitchFamily="34" charset="0"/>
                         </a:rPr>
                         <a:t>NVMe</a:t>
                       </a:r>
                       <a:r>
-                        <a:rPr lang="en-US" sz="1400" dirty="0">
+                        <a:rPr lang="en-US" sz="1800" dirty="0">
                           <a:latin typeface="Arial" pitchFamily="34" charset="0"/>
                           <a:cs typeface="Arial" pitchFamily="34" charset="0"/>
                         </a:rPr>
@@ -9558,41 +9332,41 @@
                         <a:buNone/>
                       </a:pPr>
                       <a:r>
-                        <a:rPr lang="en-US" sz="1400" dirty="0" err="1">
+                        <a:rPr lang="en-US" sz="1800" dirty="0" err="1">
                           <a:latin typeface="Arial" pitchFamily="34" charset="0"/>
                           <a:cs typeface="Arial" pitchFamily="34" charset="0"/>
                         </a:rPr>
                         <a:t>nbdX</a:t>
                       </a:r>
                       <a:r>
-                        <a:rPr lang="en-US" sz="1400" dirty="0">
+                        <a:rPr lang="en-US" sz="1800" dirty="0">
                           <a:latin typeface="Arial" pitchFamily="34" charset="0"/>
                           <a:cs typeface="Arial" pitchFamily="34" charset="0"/>
                         </a:rPr>
                         <a:t> (</a:t>
                       </a:r>
                       <a:r>
-                        <a:rPr lang="en-US" sz="1400" dirty="0" err="1">
+                        <a:rPr lang="en-US" sz="1800" dirty="0" err="1">
                           <a:latin typeface="Arial" pitchFamily="34" charset="0"/>
                           <a:cs typeface="Arial" pitchFamily="34" charset="0"/>
                         </a:rPr>
                         <a:t>NVMe</a:t>
                       </a:r>
                       <a:r>
-                        <a:rPr lang="en-US" sz="1400" dirty="0">
+                        <a:rPr lang="en-US" sz="1800" dirty="0">
                           <a:latin typeface="Arial" pitchFamily="34" charset="0"/>
                           <a:cs typeface="Arial" pitchFamily="34" charset="0"/>
                         </a:rPr>
                         <a:t> over Fabrics) </a:t>
                       </a:r>
                       <a:r>
-                        <a:rPr lang="en-US" sz="1400" dirty="0" err="1">
+                        <a:rPr lang="en-US" sz="1800" dirty="0" err="1">
                           <a:latin typeface="Arial" pitchFamily="34" charset="0"/>
                           <a:cs typeface="Arial" pitchFamily="34" charset="0"/>
                         </a:rPr>
                         <a:t>Ramdisk</a:t>
                       </a:r>
-                      <a:endParaRPr lang="en-US" sz="1400" dirty="0">
+                      <a:endParaRPr lang="en-US" sz="1800" dirty="0">
                         <a:latin typeface="Arial" pitchFamily="34" charset="0"/>
                         <a:cs typeface="Arial" pitchFamily="34" charset="0"/>
                       </a:endParaRPr>
@@ -9606,7 +9380,7 @@
                   </a:ext>
                 </a:extLst>
               </a:tr>
-              <a:tr h="307502">
+              <a:tr h="539858">
                 <a:tc>
                   <a:txBody>
                     <a:bodyPr/>
@@ -9619,7 +9393,7 @@
                         <a:buNone/>
                       </a:pPr>
                       <a:r>
-                        <a:rPr lang="en-US" sz="1400" dirty="0">
+                        <a:rPr lang="en-US" sz="1800" dirty="0">
                           <a:latin typeface="Arial" pitchFamily="34" charset="0"/>
                           <a:cs typeface="Arial" pitchFamily="34" charset="0"/>
                         </a:rPr>
@@ -9641,21 +9415,21 @@
                         <a:buNone/>
                       </a:pPr>
                       <a:r>
-                        <a:rPr lang="en-US" sz="1400" dirty="0">
+                        <a:rPr lang="en-US" sz="1800" dirty="0">
                           <a:latin typeface="Arial" pitchFamily="34" charset="0"/>
                           <a:cs typeface="Arial" pitchFamily="34" charset="0"/>
                         </a:rPr>
                         <a:t>~8.0 </a:t>
                       </a:r>
                       <a:r>
-                        <a:rPr lang="en-US" sz="1400" dirty="0" err="1">
+                        <a:rPr lang="en-US" sz="1800" dirty="0" err="1">
                           <a:latin typeface="Arial" pitchFamily="34" charset="0"/>
                           <a:cs typeface="Arial" pitchFamily="34" charset="0"/>
                         </a:rPr>
                         <a:t>Gb</a:t>
                       </a:r>
                       <a:r>
-                        <a:rPr lang="en-US" sz="1400" dirty="0">
+                        <a:rPr lang="en-US" sz="1800" dirty="0">
                           <a:latin typeface="Arial" pitchFamily="34" charset="0"/>
                           <a:cs typeface="Arial" pitchFamily="34" charset="0"/>
                         </a:rPr>
@@ -9677,21 +9451,21 @@
                         <a:buNone/>
                       </a:pPr>
                       <a:r>
-                        <a:rPr lang="en-US" sz="1400" dirty="0">
+                        <a:rPr lang="en-US" sz="1800" b="1" dirty="0">
                           <a:latin typeface="Arial" pitchFamily="34" charset="0"/>
                           <a:cs typeface="Arial" pitchFamily="34" charset="0"/>
                         </a:rPr>
                         <a:t>~36 </a:t>
                       </a:r>
                       <a:r>
-                        <a:rPr lang="en-US" sz="1400" dirty="0" err="1">
+                        <a:rPr lang="en-US" sz="1800" b="1" dirty="0" err="1">
                           <a:latin typeface="Arial" pitchFamily="34" charset="0"/>
                           <a:cs typeface="Arial" pitchFamily="34" charset="0"/>
                         </a:rPr>
                         <a:t>Gb</a:t>
                       </a:r>
                       <a:r>
-                        <a:rPr lang="en-US" sz="1400" dirty="0">
+                        <a:rPr lang="en-US" sz="1800" b="1" dirty="0">
                           <a:latin typeface="Arial" pitchFamily="34" charset="0"/>
                           <a:cs typeface="Arial" pitchFamily="34" charset="0"/>
                         </a:rPr>
@@ -9707,7 +9481,7 @@
                   </a:ext>
                 </a:extLst>
               </a:tr>
-              <a:tr h="309785">
+              <a:tr h="539858">
                 <a:tc>
                   <a:txBody>
                     <a:bodyPr/>
@@ -9720,7 +9494,7 @@
                         <a:buNone/>
                       </a:pPr>
                       <a:r>
-                        <a:rPr lang="en-US" sz="1400" dirty="0">
+                        <a:rPr lang="en-US" sz="1800" dirty="0">
                           <a:latin typeface="Arial" pitchFamily="34" charset="0"/>
                           <a:cs typeface="Arial" pitchFamily="34" charset="0"/>
                         </a:rPr>
@@ -9742,7 +9516,7 @@
                         <a:buNone/>
                       </a:pPr>
                       <a:r>
-                        <a:rPr lang="en-US" sz="1400" dirty="0">
+                        <a:rPr lang="en-US" sz="1800" dirty="0">
                           <a:latin typeface="Arial" pitchFamily="34" charset="0"/>
                           <a:cs typeface="Arial" pitchFamily="34" charset="0"/>
                         </a:rPr>
@@ -9764,7 +9538,7 @@
                         <a:buNone/>
                       </a:pPr>
                       <a:r>
-                        <a:rPr lang="en-US" sz="1400" dirty="0">
+                        <a:rPr lang="en-US" sz="1800" b="1" dirty="0">
                           <a:ln>
                             <a:noFill/>
                           </a:ln>
@@ -9787,10 +9561,167 @@
           </a:graphicData>
         </a:graphic>
       </p:graphicFrame>
+      <p:sp>
+        <p:nvSpPr>
+          <p:cNvPr id="3" name="Rectangle 2"/>
+          <p:cNvSpPr/>
+          <p:nvPr/>
+        </p:nvSpPr>
+        <p:spPr>
+          <a:xfrm>
+            <a:off x="1097280" y="4340375"/>
+            <a:ext cx="9355403" cy="1200329"/>
+          </a:xfrm>
+          <a:prstGeom prst="rect">
+            <a:avLst/>
+          </a:prstGeom>
+        </p:spPr>
+        <p:txBody>
+          <a:bodyPr wrap="square">
+            <a:spAutoFit/>
+          </a:bodyPr>
+          <a:lstStyle/>
+          <a:p>
+            <a:pPr lvl="0">
+              <a:lnSpc>
+                <a:spcPct val="90000"/>
+              </a:lnSpc>
+              <a:buClr>
+                <a:schemeClr val="dk1"/>
+              </a:buClr>
+              <a:buSzPct val="55000"/>
+            </a:pPr>
+            <a:endParaRPr lang="en-US" sz="2000" b="1" dirty="0">
+              <a:solidFill>
+                <a:srgbClr val="3F3F3F"/>
+              </a:solidFill>
+              <a:ea typeface="Calibri"/>
+              <a:cs typeface="Calibri"/>
+              <a:sym typeface="Calibri"/>
+            </a:endParaRPr>
+          </a:p>
+          <a:p>
+            <a:pPr marL="384048" lvl="1" indent="-193548">
+              <a:lnSpc>
+                <a:spcPct val="90000"/>
+              </a:lnSpc>
+              <a:buClr>
+                <a:srgbClr val="FFC000"/>
+              </a:buClr>
+              <a:buSzPct val="100000"/>
+              <a:buFont typeface="Noto Sans Symbols"/>
+              <a:buChar char="▪"/>
+            </a:pPr>
+            <a:r>
+              <a:rPr lang="en-US" sz="2000" dirty="0">
+                <a:solidFill>
+                  <a:srgbClr val="3F3F3F"/>
+                </a:solidFill>
+                <a:ea typeface="Calibri"/>
+                <a:cs typeface="Calibri"/>
+                <a:sym typeface="Calibri"/>
+              </a:rPr>
+              <a:t>  Bandwidth reached near maximum link speed</a:t>
+            </a:r>
+          </a:p>
+          <a:p>
+            <a:pPr marL="384048" lvl="1" indent="-193548">
+              <a:lnSpc>
+                <a:spcPct val="90000"/>
+              </a:lnSpc>
+              <a:buClr>
+                <a:srgbClr val="FFC000"/>
+              </a:buClr>
+              <a:buSzPct val="100000"/>
+              <a:buFont typeface="Noto Sans Symbols"/>
+              <a:buChar char="▪"/>
+            </a:pPr>
+            <a:r>
+              <a:rPr lang="en-US" sz="2000" dirty="0">
+                <a:solidFill>
+                  <a:srgbClr val="3F3F3F"/>
+                </a:solidFill>
+                <a:ea typeface="Calibri"/>
+                <a:cs typeface="Calibri"/>
+                <a:sym typeface="Calibri"/>
+              </a:rPr>
+              <a:t>  Latency within expected range of </a:t>
+            </a:r>
+            <a:r>
+              <a:rPr lang="en-US" sz="2000" dirty="0" err="1">
+                <a:solidFill>
+                  <a:srgbClr val="3F3F3F"/>
+                </a:solidFill>
+                <a:ea typeface="Calibri"/>
+                <a:cs typeface="Calibri"/>
+                <a:sym typeface="Calibri"/>
+              </a:rPr>
+              <a:t>NVMe</a:t>
+            </a:r>
+            <a:r>
+              <a:rPr lang="en-US" sz="2000" dirty="0">
+                <a:solidFill>
+                  <a:srgbClr val="3F3F3F"/>
+                </a:solidFill>
+                <a:ea typeface="Calibri"/>
+                <a:cs typeface="Calibri"/>
+                <a:sym typeface="Calibri"/>
+              </a:rPr>
+              <a:t> over Fabrics spec</a:t>
+            </a:r>
+          </a:p>
+          <a:p>
+            <a:pPr marL="384048" lvl="1" indent="-193548">
+              <a:lnSpc>
+                <a:spcPct val="90000"/>
+              </a:lnSpc>
+              <a:buClr>
+                <a:srgbClr val="FFC000"/>
+              </a:buClr>
+              <a:buSzPct val="100000"/>
+              <a:buFont typeface="Noto Sans Symbols"/>
+              <a:buChar char="▪"/>
+            </a:pPr>
+            <a:r>
+              <a:rPr lang="en-US" sz="2000" dirty="0">
+                <a:solidFill>
+                  <a:srgbClr val="3F3F3F"/>
+                </a:solidFill>
+                <a:ea typeface="Calibri"/>
+                <a:cs typeface="Calibri"/>
+                <a:sym typeface="Calibri"/>
+              </a:rPr>
+              <a:t>  IOPS exceed current </a:t>
+            </a:r>
+            <a:r>
+              <a:rPr lang="en-US" sz="2000" dirty="0" err="1">
+                <a:solidFill>
+                  <a:srgbClr val="3F3F3F"/>
+                </a:solidFill>
+                <a:ea typeface="Calibri"/>
+                <a:cs typeface="Calibri"/>
+                <a:sym typeface="Calibri"/>
+              </a:rPr>
+              <a:t>NVMe</a:t>
+            </a:r>
+            <a:r>
+              <a:rPr lang="en-US" sz="2000" dirty="0">
+                <a:solidFill>
+                  <a:srgbClr val="3F3F3F"/>
+                </a:solidFill>
+                <a:ea typeface="Calibri"/>
+                <a:cs typeface="Calibri"/>
+                <a:sym typeface="Calibri"/>
+              </a:rPr>
+              <a:t> attached drive capabilities</a:t>
+            </a:r>
+          </a:p>
+        </p:txBody>
+      </p:sp>
     </p:spTree>
     <p:extLst>
       <p:ext uri="{BB962C8B-B14F-4D97-AF65-F5344CB8AC3E}">
-        <p14:creationId xmlns:p14="http://schemas.microsoft.com/office/powerpoint/2010/main" val="4031993031"/>
+        <p14:creationId xmlns:p14="http://schemas.microsoft.com/office/powerpoint/2010/main" val="3212934282"/>
       </p:ext>
     </p:extLst>
   </p:cSld>
